--- a/Documents for Progress/topTagger_deepAK8_decor_comparison_11June.pptx
+++ b/Documents for Progress/topTagger_deepAK8_decor_comparison_11June.pptx
@@ -6,10 +6,10 @@
     <p:sldMasterId id="2147483661" r:id="rId2"/>
   </p:sldMasterIdLst>
   <p:notesMasterIdLst>
-    <p:notesMasterId r:id="rId19"/>
+    <p:notesMasterId r:id="rId20"/>
   </p:notesMasterIdLst>
   <p:handoutMasterIdLst>
-    <p:handoutMasterId r:id="rId20"/>
+    <p:handoutMasterId r:id="rId21"/>
   </p:handoutMasterIdLst>
   <p:sldIdLst>
     <p:sldId id="256" r:id="rId3"/>
@@ -23,11 +23,12 @@
     <p:sldId id="334" r:id="rId11"/>
     <p:sldId id="341" r:id="rId12"/>
     <p:sldId id="337" r:id="rId13"/>
-    <p:sldId id="338" r:id="rId14"/>
-    <p:sldId id="339" r:id="rId15"/>
-    <p:sldId id="340" r:id="rId16"/>
-    <p:sldId id="342" r:id="rId17"/>
-    <p:sldId id="344" r:id="rId18"/>
+    <p:sldId id="345" r:id="rId14"/>
+    <p:sldId id="338" r:id="rId15"/>
+    <p:sldId id="339" r:id="rId16"/>
+    <p:sldId id="340" r:id="rId17"/>
+    <p:sldId id="342" r:id="rId18"/>
+    <p:sldId id="344" r:id="rId19"/>
   </p:sldIdLst>
   <p:sldSz cx="12192000" cy="6858000"/>
   <p:notesSz cx="6858000" cy="9144000"/>
@@ -219,7 +220,7 @@
           <a:p>
             <a:fld id="{5EAB6CC4-09DE-4786-B729-44FA43014ED5}" type="datetime1">
               <a:rPr lang="en-GB" smtClean="0"/>
-              <a:t>11/06/2019</a:t>
+              <a:t>12/06/2019</a:t>
             </a:fld>
             <a:endParaRPr lang="en-GB"/>
           </a:p>
@@ -425,7 +426,7 @@
           <a:p>
             <a:fld id="{0E8614BA-4115-43D1-8AB3-3CDE9543FCCF}" type="datetime1">
               <a:rPr lang="en-GB" smtClean="0"/>
-              <a:t>11/06/2019</a:t>
+              <a:t>12/06/2019</a:t>
             </a:fld>
             <a:endParaRPr lang="en-GB"/>
           </a:p>
@@ -759,7 +760,7 @@
           <a:p>
             <a:fld id="{ACA0056A-F2C5-43AE-9E21-25F896F0B54F}" type="datetime1">
               <a:rPr lang="en-GB" smtClean="0"/>
-              <a:t>11/06/2019</a:t>
+              <a:t>12/06/2019</a:t>
             </a:fld>
             <a:endParaRPr lang="en-GB"/>
           </a:p>
@@ -1027,7 +1028,7 @@
           <a:p>
             <a:fld id="{B896338F-215D-4A23-B45D-A601457D9147}" type="datetime1">
               <a:rPr lang="en-US" smtClean="0"/>
-              <a:t>6/11/2019</a:t>
+              <a:t>6/12/2019</a:t>
             </a:fld>
             <a:endParaRPr lang="en-US" dirty="0"/>
           </a:p>
@@ -1234,7 +1235,7 @@
           <a:p>
             <a:fld id="{352F140F-AA80-4428-9056-21FB2C5EC325}" type="datetime1">
               <a:rPr lang="en-US" smtClean="0"/>
-              <a:t>6/11/2019</a:t>
+              <a:t>6/12/2019</a:t>
             </a:fld>
             <a:endParaRPr lang="en-US" dirty="0"/>
           </a:p>
@@ -1489,7 +1490,7 @@
           <a:p>
             <a:fld id="{2399EED5-3CCA-4927-AAA1-2F12E6928899}" type="datetime1">
               <a:rPr lang="en-US" smtClean="0"/>
-              <a:t>6/11/2019</a:t>
+              <a:t>6/12/2019</a:t>
             </a:fld>
             <a:endParaRPr lang="en-US" dirty="0"/>
           </a:p>
@@ -1680,7 +1681,7 @@
           <a:p>
             <a:fld id="{CB6B0CBA-FF60-4811-8607-F7E86397D9BD}" type="datetime1">
               <a:rPr lang="en-US" smtClean="0"/>
-              <a:t>6/11/2019</a:t>
+              <a:t>6/12/2019</a:t>
             </a:fld>
             <a:endParaRPr lang="en-GB"/>
           </a:p>
@@ -1854,7 +1855,7 @@
           <a:p>
             <a:fld id="{B93E4C17-F659-4125-A931-F8EFACEFBEB6}" type="datetime1">
               <a:rPr lang="en-US" smtClean="0"/>
-              <a:t>6/11/2019</a:t>
+              <a:t>6/12/2019</a:t>
             </a:fld>
             <a:endParaRPr lang="en-GB"/>
           </a:p>
@@ -2104,7 +2105,7 @@
           <a:p>
             <a:fld id="{66E2C448-DF2E-4E50-B89E-6498937F3145}" type="datetime1">
               <a:rPr lang="en-US" smtClean="0"/>
-              <a:t>6/11/2019</a:t>
+              <a:t>6/12/2019</a:t>
             </a:fld>
             <a:endParaRPr lang="en-GB"/>
           </a:p>
@@ -2340,7 +2341,7 @@
           <a:p>
             <a:fld id="{A47B6549-CDFE-4D95-A06B-8595A8A6E5A6}" type="datetime1">
               <a:rPr lang="en-US" smtClean="0"/>
-              <a:t>6/11/2019</a:t>
+              <a:t>6/12/2019</a:t>
             </a:fld>
             <a:endParaRPr lang="en-GB"/>
           </a:p>
@@ -2711,7 +2712,7 @@
           <a:p>
             <a:fld id="{B7DFA27F-A9EC-4FBB-A989-C3FDD60FA389}" type="datetime1">
               <a:rPr lang="en-US" smtClean="0"/>
-              <a:t>6/11/2019</a:t>
+              <a:t>6/12/2019</a:t>
             </a:fld>
             <a:endParaRPr lang="en-GB"/>
           </a:p>
@@ -2833,7 +2834,7 @@
           <a:p>
             <a:fld id="{32915C94-C382-4E3D-BB65-9DCA768CD95C}" type="datetime1">
               <a:rPr lang="en-US" smtClean="0"/>
-              <a:t>6/11/2019</a:t>
+              <a:t>6/12/2019</a:t>
             </a:fld>
             <a:endParaRPr lang="en-GB"/>
           </a:p>
@@ -2932,7 +2933,7 @@
           <a:p>
             <a:fld id="{8B00D2E8-BB89-4E5A-AC7F-E0D9B477EA9A}" type="datetime1">
               <a:rPr lang="en-US" smtClean="0"/>
-              <a:t>6/11/2019</a:t>
+              <a:t>6/12/2019</a:t>
             </a:fld>
             <a:endParaRPr lang="en-GB"/>
           </a:p>
@@ -3213,7 +3214,7 @@
           <a:p>
             <a:fld id="{CD80CFFC-1D67-44CF-AADC-1A2BD7892FA5}" type="datetime1">
               <a:rPr lang="en-US" smtClean="0"/>
-              <a:t>6/11/2019</a:t>
+              <a:t>6/12/2019</a:t>
             </a:fld>
             <a:endParaRPr lang="en-GB"/>
           </a:p>
@@ -3369,7 +3370,7 @@
           <a:p>
             <a:fld id="{920F7B6F-CD40-4554-AB7B-3D8F570A961C}" type="datetime1">
               <a:rPr lang="en-US" smtClean="0"/>
-              <a:t>6/11/2019</a:t>
+              <a:t>6/12/2019</a:t>
             </a:fld>
             <a:endParaRPr lang="en-US" dirty="0"/>
           </a:p>
@@ -3657,7 +3658,7 @@
           <a:p>
             <a:fld id="{315F4987-F10E-42C1-9415-75C9FD7F079A}" type="datetime1">
               <a:rPr lang="en-US" smtClean="0"/>
-              <a:t>6/11/2019</a:t>
+              <a:t>6/12/2019</a:t>
             </a:fld>
             <a:endParaRPr lang="en-GB"/>
           </a:p>
@@ -3831,7 +3832,7 @@
           <a:p>
             <a:fld id="{8D507AB4-72CD-4ABA-85A4-1B7DC7356679}" type="datetime1">
               <a:rPr lang="en-US" smtClean="0"/>
-              <a:t>6/11/2019</a:t>
+              <a:t>6/12/2019</a:t>
             </a:fld>
             <a:endParaRPr lang="en-GB"/>
           </a:p>
@@ -4015,7 +4016,7 @@
           <a:p>
             <a:fld id="{4E1BDD40-BDBA-4115-B173-9154D72966A9}" type="datetime1">
               <a:rPr lang="en-US" smtClean="0"/>
-              <a:t>6/11/2019</a:t>
+              <a:t>6/12/2019</a:t>
             </a:fld>
             <a:endParaRPr lang="en-GB"/>
           </a:p>
@@ -4362,7 +4363,7 @@
           <a:p>
             <a:fld id="{3890A557-2635-4650-9973-9258F2CB8A2E}" type="datetime1">
               <a:rPr lang="en-US" smtClean="0"/>
-              <a:t>6/11/2019</a:t>
+              <a:t>6/12/2019</a:t>
             </a:fld>
             <a:endParaRPr lang="en-US" dirty="0"/>
           </a:p>
@@ -4636,7 +4637,7 @@
           <a:p>
             <a:fld id="{A2B8328C-0844-4E25-8959-D9EC7AC0D65F}" type="datetime1">
               <a:rPr lang="en-US" smtClean="0"/>
-              <a:t>6/11/2019</a:t>
+              <a:t>6/12/2019</a:t>
             </a:fld>
             <a:endParaRPr lang="en-US" dirty="0"/>
           </a:p>
@@ -5014,7 +5015,7 @@
           <a:p>
             <a:fld id="{4EA6C6B1-990A-438D-BCC8-CBEFBE6A72E4}" type="datetime1">
               <a:rPr lang="en-US" smtClean="0"/>
-              <a:t>6/11/2019</a:t>
+              <a:t>6/12/2019</a:t>
             </a:fld>
             <a:endParaRPr lang="en-US" dirty="0"/>
           </a:p>
@@ -5131,7 +5132,7 @@
           <a:p>
             <a:fld id="{04EC709C-DE31-463C-8ED7-E8BBCA54F2E5}" type="datetime1">
               <a:rPr lang="en-US" smtClean="0"/>
-              <a:t>6/11/2019</a:t>
+              <a:t>6/12/2019</a:t>
             </a:fld>
             <a:endParaRPr lang="en-US" dirty="0"/>
           </a:p>
@@ -5301,7 +5302,7 @@
           <a:p>
             <a:fld id="{61BFD743-B9FB-4BA6-86A3-1B917C7380BD}" type="datetime1">
               <a:rPr lang="en-US" smtClean="0"/>
-              <a:t>6/11/2019</a:t>
+              <a:t>6/12/2019</a:t>
             </a:fld>
             <a:endParaRPr lang="en-US" dirty="0"/>
           </a:p>
@@ -5692,7 +5693,7 @@
           <a:p>
             <a:fld id="{6B587570-E790-45D7-84FE-D9AFF32DD34E}" type="datetime1">
               <a:rPr lang="en-US" smtClean="0"/>
-              <a:t>6/11/2019</a:t>
+              <a:t>6/12/2019</a:t>
             </a:fld>
             <a:endParaRPr lang="en-US" dirty="0"/>
           </a:p>
@@ -6074,7 +6075,7 @@
           <a:p>
             <a:fld id="{29B6AA42-3D7B-4AA6-9432-398E13839FA5}" type="datetime1">
               <a:rPr lang="en-US" smtClean="0"/>
-              <a:t>6/11/2019</a:t>
+              <a:t>6/12/2019</a:t>
             </a:fld>
             <a:endParaRPr lang="en-US" dirty="0"/>
           </a:p>
@@ -6360,7 +6361,7 @@
           <a:p>
             <a:fld id="{07FE8CA8-44E8-408B-BC36-EE81851D02E8}" type="datetime1">
               <a:rPr lang="en-US" smtClean="0"/>
-              <a:t>6/11/2019</a:t>
+              <a:t>6/12/2019</a:t>
             </a:fld>
             <a:endParaRPr lang="en-US" dirty="0"/>
           </a:p>
@@ -7050,7 +7051,7 @@
           <a:p>
             <a:fld id="{D6CDC20A-B52C-4E07-BB00-B88955FDC5B2}" type="datetime1">
               <a:rPr lang="en-US" smtClean="0"/>
-              <a:t>6/11/2019</a:t>
+              <a:t>6/12/2019</a:t>
             </a:fld>
             <a:endParaRPr lang="en-GB"/>
           </a:p>
@@ -7652,7 +7653,7 @@
           <a:p>
             <a:fld id="{0352E882-488E-400B-936A-CB5B2D36F118}" type="datetime1">
               <a:rPr lang="en-US" smtClean="0"/>
-              <a:t>6/11/2019</a:t>
+              <a:t>6/12/2019</a:t>
             </a:fld>
             <a:endParaRPr lang="en-US" dirty="0"/>
           </a:p>
@@ -7907,7 +7908,7 @@
           <a:p>
             <a:fld id="{0352E882-488E-400B-936A-CB5B2D36F118}" type="datetime1">
               <a:rPr lang="en-US" smtClean="0"/>
-              <a:t>6/11/2019</a:t>
+              <a:t>6/12/2019</a:t>
             </a:fld>
             <a:endParaRPr lang="en-US" dirty="0"/>
           </a:p>
@@ -8557,7 +8558,7 @@
       </p:grpSpPr>
       <p:pic>
         <p:nvPicPr>
-          <p:cNvPr id="5" name="Picture 4"/>
+          <p:cNvPr id="8" name="Picture 7"/>
           <p:cNvPicPr>
             <a:picLocks noChangeAspect="1"/>
           </p:cNvPicPr>
@@ -8577,44 +8578,14 @@
         </p:blipFill>
         <p:spPr>
           <a:xfrm>
-            <a:off x="6281426" y="1158809"/>
-            <a:ext cx="5651183" cy="4639151"/>
+            <a:off x="1014358" y="898426"/>
+            <a:ext cx="8553450" cy="5457825"/>
           </a:xfrm>
           <a:prstGeom prst="rect">
             <a:avLst/>
           </a:prstGeom>
         </p:spPr>
       </p:pic>
-      <p:pic>
-        <p:nvPicPr>
-          <p:cNvPr id="6" name="Picture 5"/>
-          <p:cNvPicPr>
-            <a:picLocks noChangeAspect="1"/>
-          </p:cNvPicPr>
-          <p:nvPr/>
-        </p:nvPicPr>
-        <p:blipFill>
-          <a:blip r:embed="rId3">
-            <a:extLst>
-              <a:ext uri="{28A0092B-C50C-407E-A947-70E740481C1C}">
-                <a14:useLocalDpi xmlns:a14="http://schemas.microsoft.com/office/drawing/2010/main" val="0"/>
-              </a:ext>
-            </a:extLst>
-          </a:blip>
-          <a:stretch>
-            <a:fillRect/>
-          </a:stretch>
-        </p:blipFill>
-        <p:spPr>
-          <a:xfrm>
-            <a:off x="533828" y="1158808"/>
-            <a:ext cx="5651183" cy="4639151"/>
-          </a:xfrm>
-          <a:prstGeom prst="rect">
-            <a:avLst/>
-          </a:prstGeom>
-        </p:spPr>
-      </p:pic>
       <p:sp>
         <p:nvSpPr>
           <p:cNvPr id="2" name="Date Placeholder 1"/>
@@ -8632,7 +8603,7 @@
           <a:p>
             <a:fld id="{0352E882-488E-400B-936A-CB5B2D36F118}" type="datetime1">
               <a:rPr lang="en-US" smtClean="0"/>
-              <a:t>6/11/2019</a:t>
+              <a:t>6/12/2019</a:t>
             </a:fld>
             <a:endParaRPr lang="en-US" dirty="0"/>
           </a:p>
@@ -8749,7 +8720,7 @@
         </p:nvSpPr>
         <p:spPr>
           <a:xfrm>
-            <a:off x="419878" y="699796"/>
+            <a:off x="403590" y="559872"/>
             <a:ext cx="9918440" cy="338554"/>
           </a:xfrm>
           <a:prstGeom prst="rect">
@@ -8815,7 +8786,7 @@
         </p:nvSpPr>
         <p:spPr>
           <a:xfrm>
-            <a:off x="3191071" y="1455584"/>
+            <a:off x="6967995" y="1822439"/>
             <a:ext cx="2331095" cy="919133"/>
           </a:xfrm>
           <a:prstGeom prst="rect">
@@ -8865,7 +8836,7 @@
         </p:nvCxnSpPr>
         <p:spPr>
           <a:xfrm>
-            <a:off x="3359614" y="2036286"/>
+            <a:off x="7136538" y="2403141"/>
             <a:ext cx="569168" cy="0"/>
           </a:xfrm>
           <a:prstGeom prst="line">
@@ -8900,7 +8871,7 @@
         </p:nvSpPr>
         <p:spPr>
           <a:xfrm>
-            <a:off x="3945293" y="1529004"/>
+            <a:off x="7722217" y="1895859"/>
             <a:ext cx="1447799" cy="246221"/>
           </a:xfrm>
           <a:prstGeom prst="rect">
@@ -8930,7 +8901,7 @@
         </p:nvSpPr>
         <p:spPr>
           <a:xfrm>
-            <a:off x="3945294" y="1915149"/>
+            <a:off x="7722218" y="2282004"/>
             <a:ext cx="1447798" cy="246221"/>
           </a:xfrm>
           <a:prstGeom prst="rect">
@@ -8952,66 +8923,16 @@
           </a:p>
         </p:txBody>
       </p:sp>
-      <p:sp>
-        <p:nvSpPr>
-          <p:cNvPr id="17" name="Rectangle 16"/>
-          <p:cNvSpPr/>
-          <p:nvPr/>
-        </p:nvSpPr>
-        <p:spPr>
-          <a:xfrm>
-            <a:off x="9027742" y="1384429"/>
-            <a:ext cx="2782085" cy="832126"/>
-          </a:xfrm>
-          <a:prstGeom prst="rect">
-            <a:avLst/>
-          </a:prstGeom>
-          <a:solidFill>
-            <a:schemeClr val="bg1">
-              <a:alpha val="99000"/>
-            </a:schemeClr>
-          </a:solidFill>
-          <a:ln w="6350">
-            <a:solidFill>
-              <a:schemeClr val="tx1"/>
-            </a:solidFill>
-          </a:ln>
-        </p:spPr>
-        <p:style>
-          <a:lnRef idx="2">
-            <a:schemeClr val="accent1">
-              <a:shade val="50000"/>
-            </a:schemeClr>
-          </a:lnRef>
-          <a:fillRef idx="1">
-            <a:schemeClr val="accent1"/>
-          </a:fillRef>
-          <a:effectRef idx="0">
-            <a:schemeClr val="accent1"/>
-          </a:effectRef>
-          <a:fontRef idx="minor">
-            <a:schemeClr val="lt1"/>
-          </a:fontRef>
-        </p:style>
-        <p:txBody>
-          <a:bodyPr rtlCol="0" anchor="ctr"/>
-          <a:lstStyle/>
-          <a:p>
-            <a:pPr algn="ctr"/>
-            <a:endParaRPr lang="en-GB" dirty="0"/>
-          </a:p>
-        </p:txBody>
-      </p:sp>
       <p:cxnSp>
         <p:nvCxnSpPr>
-          <p:cNvPr id="19" name="Straight Connector 18"/>
+          <p:cNvPr id="22" name="Straight Connector 21"/>
           <p:cNvCxnSpPr/>
           <p:nvPr/>
         </p:nvCxnSpPr>
         <p:spPr>
           <a:xfrm>
-            <a:off x="9212797" y="1529546"/>
-            <a:ext cx="729821" cy="0"/>
+            <a:off x="7153050" y="2019261"/>
+            <a:ext cx="569168" cy="0"/>
           </a:xfrm>
           <a:prstGeom prst="line">
             <a:avLst/>
@@ -9039,14 +8960,14 @@
       </p:cxnSp>
       <p:sp>
         <p:nvSpPr>
-          <p:cNvPr id="20" name="TextBox 19"/>
+          <p:cNvPr id="24" name="TextBox 23"/>
           <p:cNvSpPr txBox="1"/>
           <p:nvPr/>
         </p:nvSpPr>
         <p:spPr>
           <a:xfrm>
-            <a:off x="10127673" y="1387482"/>
-            <a:ext cx="1469266" cy="246221"/>
+            <a:off x="6932040" y="1381494"/>
+            <a:ext cx="1390261" cy="369332"/>
           </a:xfrm>
           <a:prstGeom prst="rect">
             <a:avLst/>
@@ -9060,142 +8981,12 @@
           <a:lstStyle/>
           <a:p>
             <a:r>
-              <a:rPr lang="en-US" sz="1000" dirty="0"/>
-              <a:t>Control Region (0-btag)</a:t>
-            </a:r>
-            <a:endParaRPr lang="en-GB" sz="1000" dirty="0"/>
-          </a:p>
-        </p:txBody>
-      </p:sp>
-      <p:sp>
-        <p:nvSpPr>
-          <p:cNvPr id="21" name="TextBox 20"/>
-          <p:cNvSpPr txBox="1"/>
-          <p:nvPr/>
-        </p:nvSpPr>
-        <p:spPr>
-          <a:xfrm>
-            <a:off x="10127673" y="1801620"/>
-            <a:ext cx="1405022" cy="246221"/>
-          </a:xfrm>
-          <a:prstGeom prst="rect">
-            <a:avLst/>
-          </a:prstGeom>
-          <a:noFill/>
-        </p:spPr>
-        <p:txBody>
-          <a:bodyPr wrap="square" rtlCol="0">
-            <a:spAutoFit/>
-          </a:bodyPr>
-          <a:lstStyle/>
-          <a:p>
-            <a:r>
-              <a:rPr lang="en-US" sz="1000" dirty="0"/>
-              <a:t>Signal Region (2-btag) </a:t>
-            </a:r>
-            <a:endParaRPr lang="en-GB" sz="1000" dirty="0"/>
-          </a:p>
-        </p:txBody>
-      </p:sp>
-      <p:cxnSp>
-        <p:nvCxnSpPr>
-          <p:cNvPr id="22" name="Straight Connector 21"/>
-          <p:cNvCxnSpPr/>
-          <p:nvPr/>
-        </p:nvCxnSpPr>
-        <p:spPr>
-          <a:xfrm>
-            <a:off x="3376126" y="1652406"/>
-            <a:ext cx="569168" cy="0"/>
-          </a:xfrm>
-          <a:prstGeom prst="line">
-            <a:avLst/>
-          </a:prstGeom>
-          <a:ln>
-            <a:solidFill>
-              <a:srgbClr val="0033CC"/>
-            </a:solidFill>
-          </a:ln>
-        </p:spPr>
-        <p:style>
-          <a:lnRef idx="1">
-            <a:schemeClr val="accent1"/>
-          </a:lnRef>
-          <a:fillRef idx="0">
-            <a:schemeClr val="accent1"/>
-          </a:fillRef>
-          <a:effectRef idx="0">
-            <a:schemeClr val="accent1"/>
-          </a:effectRef>
-          <a:fontRef idx="minor">
-            <a:schemeClr val="tx1"/>
-          </a:fontRef>
-        </p:style>
-      </p:cxnSp>
-      <p:cxnSp>
-        <p:nvCxnSpPr>
-          <p:cNvPr id="23" name="Straight Connector 22"/>
-          <p:cNvCxnSpPr/>
-          <p:nvPr/>
-        </p:nvCxnSpPr>
-        <p:spPr>
-          <a:xfrm>
-            <a:off x="9205022" y="1946315"/>
-            <a:ext cx="729821" cy="0"/>
-          </a:xfrm>
-          <a:prstGeom prst="line">
-            <a:avLst/>
-          </a:prstGeom>
-          <a:ln>
-            <a:solidFill>
-              <a:srgbClr val="FF0000"/>
-            </a:solidFill>
-          </a:ln>
-        </p:spPr>
-        <p:style>
-          <a:lnRef idx="1">
-            <a:schemeClr val="accent1"/>
-          </a:lnRef>
-          <a:fillRef idx="0">
-            <a:schemeClr val="accent1"/>
-          </a:fillRef>
-          <a:effectRef idx="0">
-            <a:schemeClr val="accent1"/>
-          </a:effectRef>
-          <a:fontRef idx="minor">
-            <a:schemeClr val="tx1"/>
-          </a:fontRef>
-        </p:style>
-      </p:cxnSp>
-      <p:sp>
-        <p:nvSpPr>
-          <p:cNvPr id="24" name="TextBox 23"/>
-          <p:cNvSpPr txBox="1"/>
-          <p:nvPr/>
-        </p:nvSpPr>
-        <p:spPr>
-          <a:xfrm>
-            <a:off x="1250844" y="1071658"/>
-            <a:ext cx="1390261" cy="369332"/>
-          </a:xfrm>
-          <a:prstGeom prst="rect">
-            <a:avLst/>
-          </a:prstGeom>
-          <a:noFill/>
-        </p:spPr>
-        <p:txBody>
-          <a:bodyPr wrap="square" rtlCol="0">
-            <a:spAutoFit/>
-          </a:bodyPr>
-          <a:lstStyle/>
-          <a:p>
-            <a:r>
-              <a:rPr lang="en-US" dirty="0" smtClean="0">
+              <a:rPr lang="en-US" dirty="0" err="1" smtClean="0">
                 <a:solidFill>
                   <a:srgbClr val="FF0000"/>
                 </a:solidFill>
               </a:rPr>
-              <a:t>deepAK8</a:t>
+              <a:t>oldMva</a:t>
             </a:r>
             <a:endParaRPr lang="en-GB" dirty="0">
               <a:solidFill>
@@ -9205,48 +8996,10 @@
           </a:p>
         </p:txBody>
       </p:sp>
-      <p:sp>
-        <p:nvSpPr>
-          <p:cNvPr id="25" name="TextBox 24"/>
-          <p:cNvSpPr txBox="1"/>
-          <p:nvPr/>
-        </p:nvSpPr>
-        <p:spPr>
-          <a:xfrm>
-            <a:off x="7118728" y="1071658"/>
-            <a:ext cx="1390261" cy="369332"/>
-          </a:xfrm>
-          <a:prstGeom prst="rect">
-            <a:avLst/>
-          </a:prstGeom>
-          <a:noFill/>
-        </p:spPr>
-        <p:txBody>
-          <a:bodyPr wrap="square" rtlCol="0">
-            <a:spAutoFit/>
-          </a:bodyPr>
-          <a:lstStyle/>
-          <a:p>
-            <a:r>
-              <a:rPr lang="en-US" dirty="0" err="1" smtClean="0">
-                <a:solidFill>
-                  <a:srgbClr val="FF0000"/>
-                </a:solidFill>
-              </a:rPr>
-              <a:t>tTagger</a:t>
-            </a:r>
-            <a:endParaRPr lang="en-GB" dirty="0">
-              <a:solidFill>
-                <a:srgbClr val="FF0000"/>
-              </a:solidFill>
-            </a:endParaRPr>
-          </a:p>
-        </p:txBody>
-      </p:sp>
     </p:spTree>
     <p:extLst>
       <p:ext uri="{BB962C8B-B14F-4D97-AF65-F5344CB8AC3E}">
-        <p14:creationId xmlns:p14="http://schemas.microsoft.com/office/powerpoint/2010/main" val="3978572988"/>
+        <p14:creationId xmlns:p14="http://schemas.microsoft.com/office/powerpoint/2010/main" val="421448033"/>
       </p:ext>
     </p:extLst>
   </p:cSld>
@@ -9302,7 +9055,7 @@
         </p:blipFill>
         <p:spPr>
           <a:xfrm>
-            <a:off x="670883" y="1353538"/>
+            <a:off x="6281426" y="1158809"/>
             <a:ext cx="5651183" cy="4639151"/>
           </a:xfrm>
           <a:prstGeom prst="rect">
@@ -9332,6 +9085,731 @@
         </p:blipFill>
         <p:spPr>
           <a:xfrm>
+            <a:off x="533828" y="1158808"/>
+            <a:ext cx="5651183" cy="4639151"/>
+          </a:xfrm>
+          <a:prstGeom prst="rect">
+            <a:avLst/>
+          </a:prstGeom>
+        </p:spPr>
+      </p:pic>
+      <p:sp>
+        <p:nvSpPr>
+          <p:cNvPr id="2" name="Date Placeholder 1"/>
+          <p:cNvSpPr>
+            <a:spLocks noGrp="1"/>
+          </p:cNvSpPr>
+          <p:nvPr>
+            <p:ph type="dt" sz="half" idx="10"/>
+          </p:nvPr>
+        </p:nvSpPr>
+        <p:spPr/>
+        <p:txBody>
+          <a:bodyPr/>
+          <a:lstStyle/>
+          <a:p>
+            <a:fld id="{0352E882-488E-400B-936A-CB5B2D36F118}" type="datetime1">
+              <a:rPr lang="en-US" smtClean="0"/>
+              <a:t>6/12/2019</a:t>
+            </a:fld>
+            <a:endParaRPr lang="en-US" dirty="0"/>
+          </a:p>
+        </p:txBody>
+      </p:sp>
+      <p:sp>
+        <p:nvSpPr>
+          <p:cNvPr id="3" name="Footer Placeholder 2"/>
+          <p:cNvSpPr>
+            <a:spLocks noGrp="1"/>
+          </p:cNvSpPr>
+          <p:nvPr>
+            <p:ph type="ftr" sz="quarter" idx="11"/>
+          </p:nvPr>
+        </p:nvSpPr>
+        <p:spPr/>
+        <p:txBody>
+          <a:bodyPr/>
+          <a:lstStyle/>
+          <a:p>
+            <a:r>
+              <a:rPr lang="fi-FI" smtClean="0"/>
+              <a:t>NTUA I. Papakrivopoulos, G. Bakas</a:t>
+            </a:r>
+            <a:endParaRPr lang="en-US" dirty="0"/>
+          </a:p>
+        </p:txBody>
+      </p:sp>
+      <p:sp>
+        <p:nvSpPr>
+          <p:cNvPr id="4" name="Slide Number Placeholder 3"/>
+          <p:cNvSpPr>
+            <a:spLocks noGrp="1"/>
+          </p:cNvSpPr>
+          <p:nvPr>
+            <p:ph type="sldNum" sz="quarter" idx="12"/>
+          </p:nvPr>
+        </p:nvSpPr>
+        <p:spPr/>
+        <p:txBody>
+          <a:bodyPr/>
+          <a:lstStyle/>
+          <a:p>
+            <a:fld id="{4FAB73BC-B049-4115-A692-8D63A059BFB8}" type="slidenum">
+              <a:rPr lang="en-US" smtClean="0"/>
+              <a:pPr/>
+              <a:t>13</a:t>
+            </a:fld>
+            <a:endParaRPr lang="en-US" dirty="0"/>
+          </a:p>
+        </p:txBody>
+      </p:sp>
+      <p:sp>
+        <p:nvSpPr>
+          <p:cNvPr id="7" name="TextBox 6"/>
+          <p:cNvSpPr txBox="1"/>
+          <p:nvPr/>
+        </p:nvSpPr>
+        <p:spPr>
+          <a:xfrm>
+            <a:off x="6747309" y="2916455"/>
+            <a:ext cx="184731" cy="369332"/>
+          </a:xfrm>
+          <a:prstGeom prst="rect">
+            <a:avLst/>
+          </a:prstGeom>
+          <a:noFill/>
+        </p:spPr>
+        <p:txBody>
+          <a:bodyPr wrap="none" rtlCol="0">
+            <a:spAutoFit/>
+          </a:bodyPr>
+          <a:lstStyle/>
+          <a:p>
+            <a:endParaRPr lang="en-GB" dirty="0"/>
+          </a:p>
+        </p:txBody>
+      </p:sp>
+      <p:sp>
+        <p:nvSpPr>
+          <p:cNvPr id="14" name="TextBox 13"/>
+          <p:cNvSpPr txBox="1"/>
+          <p:nvPr/>
+        </p:nvSpPr>
+        <p:spPr>
+          <a:xfrm>
+            <a:off x="326571" y="158620"/>
+            <a:ext cx="7791062" cy="369332"/>
+          </a:xfrm>
+          <a:prstGeom prst="rect">
+            <a:avLst/>
+          </a:prstGeom>
+          <a:noFill/>
+        </p:spPr>
+        <p:txBody>
+          <a:bodyPr wrap="square" rtlCol="0">
+            <a:spAutoFit/>
+          </a:bodyPr>
+          <a:lstStyle/>
+          <a:p>
+            <a:r>
+              <a:rPr lang="en-US" u="sng" dirty="0" smtClean="0"/>
+              <a:t>QCD Background MC closure tests</a:t>
+            </a:r>
+            <a:endParaRPr lang="en-GB" u="sng" dirty="0"/>
+          </a:p>
+        </p:txBody>
+      </p:sp>
+      <p:sp>
+        <p:nvSpPr>
+          <p:cNvPr id="16" name="TextBox 15"/>
+          <p:cNvSpPr txBox="1"/>
+          <p:nvPr/>
+        </p:nvSpPr>
+        <p:spPr>
+          <a:xfrm>
+            <a:off x="419878" y="699796"/>
+            <a:ext cx="9918440" cy="338554"/>
+          </a:xfrm>
+          <a:prstGeom prst="rect">
+            <a:avLst/>
+          </a:prstGeom>
+          <a:noFill/>
+        </p:spPr>
+        <p:txBody>
+          <a:bodyPr wrap="square" rtlCol="0">
+            <a:spAutoFit/>
+          </a:bodyPr>
+          <a:lstStyle/>
+          <a:p>
+            <a:pPr marL="285750" indent="-285750">
+              <a:buFont typeface="Arial" panose="020B0604020202020204" pitchFamily="34" charset="0"/>
+              <a:buChar char="•"/>
+            </a:pPr>
+            <a:r>
+              <a:rPr lang="en-US" sz="1600" dirty="0" smtClean="0"/>
+              <a:t>Closure test for </a:t>
+            </a:r>
+            <a:r>
+              <a:rPr lang="en-US" sz="1600" dirty="0" smtClean="0">
+                <a:solidFill>
+                  <a:srgbClr val="FF0000"/>
+                </a:solidFill>
+              </a:rPr>
+              <a:t>QCD samples </a:t>
+            </a:r>
+            <a:r>
+              <a:rPr lang="en-US" sz="1600" dirty="0" smtClean="0"/>
+              <a:t>in Control Region (SR but </a:t>
+            </a:r>
+            <a:r>
+              <a:rPr lang="en-US" sz="1600" dirty="0" err="1" smtClean="0"/>
+              <a:t>btagging</a:t>
+            </a:r>
+            <a:r>
+              <a:rPr lang="en-US" sz="1600" dirty="0" smtClean="0"/>
+              <a:t> is reverted (</a:t>
+            </a:r>
+            <a:r>
+              <a:rPr lang="en-US" sz="1600" dirty="0" err="1" smtClean="0"/>
+              <a:t>btag</a:t>
+            </a:r>
+            <a:r>
+              <a:rPr lang="en-US" sz="1600" dirty="0" smtClean="0"/>
+              <a:t>==0)) for </a:t>
+            </a:r>
+            <a:r>
+              <a:rPr lang="en-US" sz="1600" dirty="0" err="1" smtClean="0"/>
+              <a:t>jetPt</a:t>
+            </a:r>
+            <a:endParaRPr lang="en-GB" sz="1600" dirty="0"/>
+          </a:p>
+        </p:txBody>
+      </p:sp>
+      <p:sp>
+        <p:nvSpPr>
+          <p:cNvPr id="10" name="Rectangle 9"/>
+          <p:cNvSpPr/>
+          <p:nvPr/>
+        </p:nvSpPr>
+        <p:spPr>
+          <a:xfrm>
+            <a:off x="3191071" y="1455584"/>
+            <a:ext cx="2331095" cy="919133"/>
+          </a:xfrm>
+          <a:prstGeom prst="rect">
+            <a:avLst/>
+          </a:prstGeom>
+          <a:solidFill>
+            <a:schemeClr val="bg1">
+              <a:alpha val="99000"/>
+            </a:schemeClr>
+          </a:solidFill>
+          <a:ln w="6350">
+            <a:solidFill>
+              <a:schemeClr val="tx1"/>
+            </a:solidFill>
+          </a:ln>
+        </p:spPr>
+        <p:style>
+          <a:lnRef idx="2">
+            <a:schemeClr val="accent1">
+              <a:shade val="50000"/>
+            </a:schemeClr>
+          </a:lnRef>
+          <a:fillRef idx="1">
+            <a:schemeClr val="accent1"/>
+          </a:fillRef>
+          <a:effectRef idx="0">
+            <a:schemeClr val="accent1"/>
+          </a:effectRef>
+          <a:fontRef idx="minor">
+            <a:schemeClr val="lt1"/>
+          </a:fontRef>
+        </p:style>
+        <p:txBody>
+          <a:bodyPr rtlCol="0" anchor="ctr"/>
+          <a:lstStyle/>
+          <a:p>
+            <a:pPr algn="ctr"/>
+            <a:endParaRPr lang="en-GB" dirty="0"/>
+          </a:p>
+        </p:txBody>
+      </p:sp>
+      <p:cxnSp>
+        <p:nvCxnSpPr>
+          <p:cNvPr id="11" name="Straight Connector 10"/>
+          <p:cNvCxnSpPr/>
+          <p:nvPr/>
+        </p:nvCxnSpPr>
+        <p:spPr>
+          <a:xfrm>
+            <a:off x="3359614" y="2036286"/>
+            <a:ext cx="569168" cy="0"/>
+          </a:xfrm>
+          <a:prstGeom prst="line">
+            <a:avLst/>
+          </a:prstGeom>
+          <a:ln>
+            <a:solidFill>
+              <a:srgbClr val="FF0000"/>
+            </a:solidFill>
+          </a:ln>
+        </p:spPr>
+        <p:style>
+          <a:lnRef idx="1">
+            <a:schemeClr val="accent1"/>
+          </a:lnRef>
+          <a:fillRef idx="0">
+            <a:schemeClr val="accent1"/>
+          </a:fillRef>
+          <a:effectRef idx="0">
+            <a:schemeClr val="accent1"/>
+          </a:effectRef>
+          <a:fontRef idx="minor">
+            <a:schemeClr val="tx1"/>
+          </a:fontRef>
+        </p:style>
+      </p:cxnSp>
+      <p:sp>
+        <p:nvSpPr>
+          <p:cNvPr id="13" name="TextBox 12"/>
+          <p:cNvSpPr txBox="1"/>
+          <p:nvPr/>
+        </p:nvSpPr>
+        <p:spPr>
+          <a:xfrm>
+            <a:off x="3945293" y="1529004"/>
+            <a:ext cx="1447799" cy="246221"/>
+          </a:xfrm>
+          <a:prstGeom prst="rect">
+            <a:avLst/>
+          </a:prstGeom>
+          <a:noFill/>
+        </p:spPr>
+        <p:txBody>
+          <a:bodyPr wrap="square" rtlCol="0">
+            <a:spAutoFit/>
+          </a:bodyPr>
+          <a:lstStyle/>
+          <a:p>
+            <a:r>
+              <a:rPr lang="en-US" sz="1000" dirty="0" smtClean="0"/>
+              <a:t>Control Region (0-btag)</a:t>
+            </a:r>
+            <a:endParaRPr lang="en-GB" sz="1000" dirty="0"/>
+          </a:p>
+        </p:txBody>
+      </p:sp>
+      <p:sp>
+        <p:nvSpPr>
+          <p:cNvPr id="15" name="TextBox 14"/>
+          <p:cNvSpPr txBox="1"/>
+          <p:nvPr/>
+        </p:nvSpPr>
+        <p:spPr>
+          <a:xfrm>
+            <a:off x="3945294" y="1915149"/>
+            <a:ext cx="1447798" cy="246221"/>
+          </a:xfrm>
+          <a:prstGeom prst="rect">
+            <a:avLst/>
+          </a:prstGeom>
+          <a:noFill/>
+        </p:spPr>
+        <p:txBody>
+          <a:bodyPr wrap="square" rtlCol="0">
+            <a:spAutoFit/>
+          </a:bodyPr>
+          <a:lstStyle/>
+          <a:p>
+            <a:r>
+              <a:rPr lang="en-US" sz="1000" dirty="0" smtClean="0"/>
+              <a:t>Signal Region (2-btag) </a:t>
+            </a:r>
+            <a:endParaRPr lang="en-GB" sz="1000" dirty="0"/>
+          </a:p>
+        </p:txBody>
+      </p:sp>
+      <p:sp>
+        <p:nvSpPr>
+          <p:cNvPr id="17" name="Rectangle 16"/>
+          <p:cNvSpPr/>
+          <p:nvPr/>
+        </p:nvSpPr>
+        <p:spPr>
+          <a:xfrm>
+            <a:off x="9027742" y="1384429"/>
+            <a:ext cx="2782085" cy="832126"/>
+          </a:xfrm>
+          <a:prstGeom prst="rect">
+            <a:avLst/>
+          </a:prstGeom>
+          <a:solidFill>
+            <a:schemeClr val="bg1">
+              <a:alpha val="99000"/>
+            </a:schemeClr>
+          </a:solidFill>
+          <a:ln w="6350">
+            <a:solidFill>
+              <a:schemeClr val="tx1"/>
+            </a:solidFill>
+          </a:ln>
+        </p:spPr>
+        <p:style>
+          <a:lnRef idx="2">
+            <a:schemeClr val="accent1">
+              <a:shade val="50000"/>
+            </a:schemeClr>
+          </a:lnRef>
+          <a:fillRef idx="1">
+            <a:schemeClr val="accent1"/>
+          </a:fillRef>
+          <a:effectRef idx="0">
+            <a:schemeClr val="accent1"/>
+          </a:effectRef>
+          <a:fontRef idx="minor">
+            <a:schemeClr val="lt1"/>
+          </a:fontRef>
+        </p:style>
+        <p:txBody>
+          <a:bodyPr rtlCol="0" anchor="ctr"/>
+          <a:lstStyle/>
+          <a:p>
+            <a:pPr algn="ctr"/>
+            <a:endParaRPr lang="en-GB" dirty="0"/>
+          </a:p>
+        </p:txBody>
+      </p:sp>
+      <p:cxnSp>
+        <p:nvCxnSpPr>
+          <p:cNvPr id="19" name="Straight Connector 18"/>
+          <p:cNvCxnSpPr/>
+          <p:nvPr/>
+        </p:nvCxnSpPr>
+        <p:spPr>
+          <a:xfrm>
+            <a:off x="9212797" y="1529546"/>
+            <a:ext cx="729821" cy="0"/>
+          </a:xfrm>
+          <a:prstGeom prst="line">
+            <a:avLst/>
+          </a:prstGeom>
+          <a:ln>
+            <a:solidFill>
+              <a:srgbClr val="0033CC"/>
+            </a:solidFill>
+          </a:ln>
+        </p:spPr>
+        <p:style>
+          <a:lnRef idx="1">
+            <a:schemeClr val="accent1"/>
+          </a:lnRef>
+          <a:fillRef idx="0">
+            <a:schemeClr val="accent1"/>
+          </a:fillRef>
+          <a:effectRef idx="0">
+            <a:schemeClr val="accent1"/>
+          </a:effectRef>
+          <a:fontRef idx="minor">
+            <a:schemeClr val="tx1"/>
+          </a:fontRef>
+        </p:style>
+      </p:cxnSp>
+      <p:sp>
+        <p:nvSpPr>
+          <p:cNvPr id="20" name="TextBox 19"/>
+          <p:cNvSpPr txBox="1"/>
+          <p:nvPr/>
+        </p:nvSpPr>
+        <p:spPr>
+          <a:xfrm>
+            <a:off x="10127673" y="1387482"/>
+            <a:ext cx="1469266" cy="246221"/>
+          </a:xfrm>
+          <a:prstGeom prst="rect">
+            <a:avLst/>
+          </a:prstGeom>
+          <a:noFill/>
+        </p:spPr>
+        <p:txBody>
+          <a:bodyPr wrap="square" rtlCol="0">
+            <a:spAutoFit/>
+          </a:bodyPr>
+          <a:lstStyle/>
+          <a:p>
+            <a:r>
+              <a:rPr lang="en-US" sz="1000" dirty="0"/>
+              <a:t>Control Region (0-btag)</a:t>
+            </a:r>
+            <a:endParaRPr lang="en-GB" sz="1000" dirty="0"/>
+          </a:p>
+        </p:txBody>
+      </p:sp>
+      <p:sp>
+        <p:nvSpPr>
+          <p:cNvPr id="21" name="TextBox 20"/>
+          <p:cNvSpPr txBox="1"/>
+          <p:nvPr/>
+        </p:nvSpPr>
+        <p:spPr>
+          <a:xfrm>
+            <a:off x="10127673" y="1801620"/>
+            <a:ext cx="1405022" cy="246221"/>
+          </a:xfrm>
+          <a:prstGeom prst="rect">
+            <a:avLst/>
+          </a:prstGeom>
+          <a:noFill/>
+        </p:spPr>
+        <p:txBody>
+          <a:bodyPr wrap="square" rtlCol="0">
+            <a:spAutoFit/>
+          </a:bodyPr>
+          <a:lstStyle/>
+          <a:p>
+            <a:r>
+              <a:rPr lang="en-US" sz="1000" dirty="0"/>
+              <a:t>Signal Region (2-btag) </a:t>
+            </a:r>
+            <a:endParaRPr lang="en-GB" sz="1000" dirty="0"/>
+          </a:p>
+        </p:txBody>
+      </p:sp>
+      <p:cxnSp>
+        <p:nvCxnSpPr>
+          <p:cNvPr id="22" name="Straight Connector 21"/>
+          <p:cNvCxnSpPr/>
+          <p:nvPr/>
+        </p:nvCxnSpPr>
+        <p:spPr>
+          <a:xfrm>
+            <a:off x="3376126" y="1652406"/>
+            <a:ext cx="569168" cy="0"/>
+          </a:xfrm>
+          <a:prstGeom prst="line">
+            <a:avLst/>
+          </a:prstGeom>
+          <a:ln>
+            <a:solidFill>
+              <a:srgbClr val="0033CC"/>
+            </a:solidFill>
+          </a:ln>
+        </p:spPr>
+        <p:style>
+          <a:lnRef idx="1">
+            <a:schemeClr val="accent1"/>
+          </a:lnRef>
+          <a:fillRef idx="0">
+            <a:schemeClr val="accent1"/>
+          </a:fillRef>
+          <a:effectRef idx="0">
+            <a:schemeClr val="accent1"/>
+          </a:effectRef>
+          <a:fontRef idx="minor">
+            <a:schemeClr val="tx1"/>
+          </a:fontRef>
+        </p:style>
+      </p:cxnSp>
+      <p:cxnSp>
+        <p:nvCxnSpPr>
+          <p:cNvPr id="23" name="Straight Connector 22"/>
+          <p:cNvCxnSpPr/>
+          <p:nvPr/>
+        </p:nvCxnSpPr>
+        <p:spPr>
+          <a:xfrm>
+            <a:off x="9205022" y="1946315"/>
+            <a:ext cx="729821" cy="0"/>
+          </a:xfrm>
+          <a:prstGeom prst="line">
+            <a:avLst/>
+          </a:prstGeom>
+          <a:ln>
+            <a:solidFill>
+              <a:srgbClr val="FF0000"/>
+            </a:solidFill>
+          </a:ln>
+        </p:spPr>
+        <p:style>
+          <a:lnRef idx="1">
+            <a:schemeClr val="accent1"/>
+          </a:lnRef>
+          <a:fillRef idx="0">
+            <a:schemeClr val="accent1"/>
+          </a:fillRef>
+          <a:effectRef idx="0">
+            <a:schemeClr val="accent1"/>
+          </a:effectRef>
+          <a:fontRef idx="minor">
+            <a:schemeClr val="tx1"/>
+          </a:fontRef>
+        </p:style>
+      </p:cxnSp>
+      <p:sp>
+        <p:nvSpPr>
+          <p:cNvPr id="24" name="TextBox 23"/>
+          <p:cNvSpPr txBox="1"/>
+          <p:nvPr/>
+        </p:nvSpPr>
+        <p:spPr>
+          <a:xfrm>
+            <a:off x="1250844" y="1071658"/>
+            <a:ext cx="1390261" cy="369332"/>
+          </a:xfrm>
+          <a:prstGeom prst="rect">
+            <a:avLst/>
+          </a:prstGeom>
+          <a:noFill/>
+        </p:spPr>
+        <p:txBody>
+          <a:bodyPr wrap="square" rtlCol="0">
+            <a:spAutoFit/>
+          </a:bodyPr>
+          <a:lstStyle/>
+          <a:p>
+            <a:r>
+              <a:rPr lang="en-US" dirty="0" smtClean="0">
+                <a:solidFill>
+                  <a:srgbClr val="FF0000"/>
+                </a:solidFill>
+              </a:rPr>
+              <a:t>deepAK8</a:t>
+            </a:r>
+            <a:endParaRPr lang="en-GB" dirty="0">
+              <a:solidFill>
+                <a:srgbClr val="FF0000"/>
+              </a:solidFill>
+            </a:endParaRPr>
+          </a:p>
+        </p:txBody>
+      </p:sp>
+      <p:sp>
+        <p:nvSpPr>
+          <p:cNvPr id="25" name="TextBox 24"/>
+          <p:cNvSpPr txBox="1"/>
+          <p:nvPr/>
+        </p:nvSpPr>
+        <p:spPr>
+          <a:xfrm>
+            <a:off x="7118728" y="1071658"/>
+            <a:ext cx="1390261" cy="369332"/>
+          </a:xfrm>
+          <a:prstGeom prst="rect">
+            <a:avLst/>
+          </a:prstGeom>
+          <a:noFill/>
+        </p:spPr>
+        <p:txBody>
+          <a:bodyPr wrap="square" rtlCol="0">
+            <a:spAutoFit/>
+          </a:bodyPr>
+          <a:lstStyle/>
+          <a:p>
+            <a:r>
+              <a:rPr lang="en-US" dirty="0" err="1" smtClean="0">
+                <a:solidFill>
+                  <a:srgbClr val="FF0000"/>
+                </a:solidFill>
+              </a:rPr>
+              <a:t>tTagger</a:t>
+            </a:r>
+            <a:endParaRPr lang="en-GB" dirty="0">
+              <a:solidFill>
+                <a:srgbClr val="FF0000"/>
+              </a:solidFill>
+            </a:endParaRPr>
+          </a:p>
+        </p:txBody>
+      </p:sp>
+    </p:spTree>
+    <p:extLst>
+      <p:ext uri="{BB962C8B-B14F-4D97-AF65-F5344CB8AC3E}">
+        <p14:creationId xmlns:p14="http://schemas.microsoft.com/office/powerpoint/2010/main" val="3978572988"/>
+      </p:ext>
+    </p:extLst>
+  </p:cSld>
+  <p:clrMapOvr>
+    <a:masterClrMapping/>
+  </p:clrMapOvr>
+  <p:timing>
+    <p:tnLst>
+      <p:par>
+        <p:cTn id="1" dur="indefinite" restart="never" nodeType="tmRoot"/>
+      </p:par>
+    </p:tnLst>
+  </p:timing>
+</p:sld>
+</file>
+
+<file path=ppt/slides/slide14.xml><?xml version="1.0" encoding="utf-8"?>
+<p:sld xmlns:a="http://schemas.openxmlformats.org/drawingml/2006/main" xmlns:r="http://schemas.openxmlformats.org/officeDocument/2006/relationships" xmlns:p="http://schemas.openxmlformats.org/presentationml/2006/main">
+  <p:cSld>
+    <p:spTree>
+      <p:nvGrpSpPr>
+        <p:cNvPr id="1" name=""/>
+        <p:cNvGrpSpPr/>
+        <p:nvPr/>
+      </p:nvGrpSpPr>
+      <p:grpSpPr>
+        <a:xfrm>
+          <a:off x="0" y="0"/>
+          <a:ext cx="0" cy="0"/>
+          <a:chOff x="0" y="0"/>
+          <a:chExt cx="0" cy="0"/>
+        </a:xfrm>
+      </p:grpSpPr>
+      <p:pic>
+        <p:nvPicPr>
+          <p:cNvPr id="5" name="Picture 4"/>
+          <p:cNvPicPr>
+            <a:picLocks noChangeAspect="1"/>
+          </p:cNvPicPr>
+          <p:nvPr/>
+        </p:nvPicPr>
+        <p:blipFill>
+          <a:blip r:embed="rId2">
+            <a:extLst>
+              <a:ext uri="{28A0092B-C50C-407E-A947-70E740481C1C}">
+                <a14:useLocalDpi xmlns:a14="http://schemas.microsoft.com/office/drawing/2010/main" val="0"/>
+              </a:ext>
+            </a:extLst>
+          </a:blip>
+          <a:stretch>
+            <a:fillRect/>
+          </a:stretch>
+        </p:blipFill>
+        <p:spPr>
+          <a:xfrm>
+            <a:off x="670883" y="1353538"/>
+            <a:ext cx="5651183" cy="4639151"/>
+          </a:xfrm>
+          <a:prstGeom prst="rect">
+            <a:avLst/>
+          </a:prstGeom>
+        </p:spPr>
+      </p:pic>
+      <p:pic>
+        <p:nvPicPr>
+          <p:cNvPr id="6" name="Picture 5"/>
+          <p:cNvPicPr>
+            <a:picLocks noChangeAspect="1"/>
+          </p:cNvPicPr>
+          <p:nvPr/>
+        </p:nvPicPr>
+        <p:blipFill>
+          <a:blip r:embed="rId3">
+            <a:extLst>
+              <a:ext uri="{28A0092B-C50C-407E-A947-70E740481C1C}">
+                <a14:useLocalDpi xmlns:a14="http://schemas.microsoft.com/office/drawing/2010/main" val="0"/>
+              </a:ext>
+            </a:extLst>
+          </a:blip>
+          <a:stretch>
+            <a:fillRect/>
+          </a:stretch>
+        </p:blipFill>
+        <p:spPr>
+          <a:xfrm>
             <a:off x="6375345" y="1353537"/>
             <a:ext cx="5651183" cy="4639151"/>
           </a:xfrm>
@@ -9357,7 +9835,7 @@
           <a:p>
             <a:fld id="{0352E882-488E-400B-936A-CB5B2D36F118}" type="datetime1">
               <a:rPr lang="en-US" smtClean="0"/>
-              <a:t>6/11/2019</a:t>
+              <a:t>6/12/2019</a:t>
             </a:fld>
             <a:endParaRPr lang="en-US" dirty="0"/>
           </a:p>
@@ -9404,7 +9882,7 @@
             <a:fld id="{4FAB73BC-B049-4115-A692-8D63A059BFB8}" type="slidenum">
               <a:rPr lang="en-US" smtClean="0"/>
               <a:pPr/>
-              <a:t>13</a:t>
+              <a:t>14</a:t>
             </a:fld>
             <a:endParaRPr lang="en-US" dirty="0"/>
           </a:p>
@@ -9970,7 +10448,7 @@
 </p:sld>
 </file>
 
-<file path=ppt/slides/slide14.xml><?xml version="1.0" encoding="utf-8"?>
+<file path=ppt/slides/slide15.xml><?xml version="1.0" encoding="utf-8"?>
 <p:sld xmlns:a="http://schemas.openxmlformats.org/drawingml/2006/main" xmlns:r="http://schemas.openxmlformats.org/officeDocument/2006/relationships" xmlns:p="http://schemas.openxmlformats.org/presentationml/2006/main">
   <p:cSld>
     <p:spTree>
@@ -10064,7 +10542,7 @@
           <a:p>
             <a:fld id="{0352E882-488E-400B-936A-CB5B2D36F118}" type="datetime1">
               <a:rPr lang="en-US" smtClean="0"/>
-              <a:t>6/11/2019</a:t>
+              <a:t>6/12/2019</a:t>
             </a:fld>
             <a:endParaRPr lang="en-US" dirty="0"/>
           </a:p>
@@ -10111,7 +10589,7 @@
             <a:fld id="{4FAB73BC-B049-4115-A692-8D63A059BFB8}" type="slidenum">
               <a:rPr lang="en-US" smtClean="0"/>
               <a:pPr/>
-              <a:t>14</a:t>
+              <a:t>15</a:t>
             </a:fld>
             <a:endParaRPr lang="en-US" dirty="0"/>
           </a:p>
@@ -10661,329 +11139,6 @@
     <p:extLst>
       <p:ext uri="{BB962C8B-B14F-4D97-AF65-F5344CB8AC3E}">
         <p14:creationId xmlns:p14="http://schemas.microsoft.com/office/powerpoint/2010/main" val="190275298"/>
-      </p:ext>
-    </p:extLst>
-  </p:cSld>
-  <p:clrMapOvr>
-    <a:masterClrMapping/>
-  </p:clrMapOvr>
-  <p:timing>
-    <p:tnLst>
-      <p:par>
-        <p:cTn id="1" dur="indefinite" restart="never" nodeType="tmRoot"/>
-      </p:par>
-    </p:tnLst>
-  </p:timing>
-</p:sld>
-</file>
-
-<file path=ppt/slides/slide15.xml><?xml version="1.0" encoding="utf-8"?>
-<p:sld xmlns:a="http://schemas.openxmlformats.org/drawingml/2006/main" xmlns:r="http://schemas.openxmlformats.org/officeDocument/2006/relationships" xmlns:p="http://schemas.openxmlformats.org/presentationml/2006/main">
-  <p:cSld>
-    <p:spTree>
-      <p:nvGrpSpPr>
-        <p:cNvPr id="1" name=""/>
-        <p:cNvGrpSpPr/>
-        <p:nvPr/>
-      </p:nvGrpSpPr>
-      <p:grpSpPr>
-        <a:xfrm>
-          <a:off x="0" y="0"/>
-          <a:ext cx="0" cy="0"/>
-          <a:chOff x="0" y="0"/>
-          <a:chExt cx="0" cy="0"/>
-        </a:xfrm>
-      </p:grpSpPr>
-      <p:sp>
-        <p:nvSpPr>
-          <p:cNvPr id="2" name="Date Placeholder 1"/>
-          <p:cNvSpPr>
-            <a:spLocks noGrp="1"/>
-          </p:cNvSpPr>
-          <p:nvPr>
-            <p:ph type="dt" sz="half" idx="10"/>
-          </p:nvPr>
-        </p:nvSpPr>
-        <p:spPr/>
-        <p:txBody>
-          <a:bodyPr/>
-          <a:lstStyle/>
-          <a:p>
-            <a:fld id="{0352E882-488E-400B-936A-CB5B2D36F118}" type="datetime1">
-              <a:rPr lang="en-US" smtClean="0"/>
-              <a:t>6/11/2019</a:t>
-            </a:fld>
-            <a:endParaRPr lang="en-US" dirty="0"/>
-          </a:p>
-        </p:txBody>
-      </p:sp>
-      <p:sp>
-        <p:nvSpPr>
-          <p:cNvPr id="3" name="Footer Placeholder 2"/>
-          <p:cNvSpPr>
-            <a:spLocks noGrp="1"/>
-          </p:cNvSpPr>
-          <p:nvPr>
-            <p:ph type="ftr" sz="quarter" idx="11"/>
-          </p:nvPr>
-        </p:nvSpPr>
-        <p:spPr/>
-        <p:txBody>
-          <a:bodyPr/>
-          <a:lstStyle/>
-          <a:p>
-            <a:r>
-              <a:rPr lang="fi-FI" smtClean="0"/>
-              <a:t>NTUA I. Papakrivopoulos, G. Bakas</a:t>
-            </a:r>
-            <a:endParaRPr lang="en-US" dirty="0"/>
-          </a:p>
-        </p:txBody>
-      </p:sp>
-      <p:sp>
-        <p:nvSpPr>
-          <p:cNvPr id="4" name="Slide Number Placeholder 3"/>
-          <p:cNvSpPr>
-            <a:spLocks noGrp="1"/>
-          </p:cNvSpPr>
-          <p:nvPr>
-            <p:ph type="sldNum" sz="quarter" idx="12"/>
-          </p:nvPr>
-        </p:nvSpPr>
-        <p:spPr/>
-        <p:txBody>
-          <a:bodyPr/>
-          <a:lstStyle/>
-          <a:p>
-            <a:fld id="{4FAB73BC-B049-4115-A692-8D63A059BFB8}" type="slidenum">
-              <a:rPr lang="en-US" smtClean="0"/>
-              <a:pPr/>
-              <a:t>15</a:t>
-            </a:fld>
-            <a:endParaRPr lang="en-US" dirty="0"/>
-          </a:p>
-        </p:txBody>
-      </p:sp>
-      <p:sp>
-        <p:nvSpPr>
-          <p:cNvPr id="24" name="TextBox 23"/>
-          <p:cNvSpPr txBox="1"/>
-          <p:nvPr/>
-        </p:nvSpPr>
-        <p:spPr>
-          <a:xfrm>
-            <a:off x="326571" y="158620"/>
-            <a:ext cx="7791062" cy="369332"/>
-          </a:xfrm>
-          <a:prstGeom prst="rect">
-            <a:avLst/>
-          </a:prstGeom>
-          <a:noFill/>
-        </p:spPr>
-        <p:txBody>
-          <a:bodyPr wrap="square" rtlCol="0">
-            <a:spAutoFit/>
-          </a:bodyPr>
-          <a:lstStyle/>
-          <a:p>
-            <a:r>
-              <a:rPr lang="en-US" u="sng" dirty="0" err="1" smtClean="0"/>
-              <a:t>Btagging</a:t>
-            </a:r>
-            <a:r>
-              <a:rPr lang="en-US" u="sng" dirty="0" smtClean="0"/>
-              <a:t> Correlation to DeepAK8 or </a:t>
-            </a:r>
-            <a:r>
-              <a:rPr lang="en-US" u="sng" dirty="0" err="1" smtClean="0"/>
-              <a:t>TopTagger</a:t>
-            </a:r>
-            <a:endParaRPr lang="en-GB" u="sng" dirty="0"/>
-          </a:p>
-        </p:txBody>
-      </p:sp>
-      <p:sp>
-        <p:nvSpPr>
-          <p:cNvPr id="25" name="TextBox 24"/>
-          <p:cNvSpPr txBox="1"/>
-          <p:nvPr/>
-        </p:nvSpPr>
-        <p:spPr>
-          <a:xfrm>
-            <a:off x="326571" y="548647"/>
-            <a:ext cx="9918440" cy="338554"/>
-          </a:xfrm>
-          <a:prstGeom prst="rect">
-            <a:avLst/>
-          </a:prstGeom>
-          <a:noFill/>
-        </p:spPr>
-        <p:txBody>
-          <a:bodyPr wrap="square" rtlCol="0">
-            <a:spAutoFit/>
-          </a:bodyPr>
-          <a:lstStyle/>
-          <a:p>
-            <a:pPr marL="285750" indent="-285750">
-              <a:buFont typeface="Arial" panose="020B0604020202020204" pitchFamily="34" charset="0"/>
-              <a:buChar char="•"/>
-            </a:pPr>
-            <a:r>
-              <a:rPr lang="en-US" sz="1600" dirty="0" smtClean="0"/>
-              <a:t>How much is </a:t>
-            </a:r>
-            <a:r>
-              <a:rPr lang="en-US" sz="1600" dirty="0" err="1" smtClean="0"/>
-              <a:t>btagging</a:t>
-            </a:r>
-            <a:r>
-              <a:rPr lang="en-US" sz="1600" dirty="0" smtClean="0"/>
-              <a:t> affect the selection in </a:t>
-            </a:r>
-            <a:r>
-              <a:rPr lang="en-US" sz="1600" dirty="0" smtClean="0"/>
-              <a:t>deepAK8 or the </a:t>
-            </a:r>
-            <a:r>
-              <a:rPr lang="en-US" sz="1600" dirty="0" err="1" smtClean="0"/>
-              <a:t>TopTagger</a:t>
-            </a:r>
-            <a:r>
-              <a:rPr lang="en-US" sz="1600" dirty="0" smtClean="0"/>
-              <a:t>? (Signal)</a:t>
-            </a:r>
-            <a:endParaRPr lang="en-GB" sz="1600" dirty="0"/>
-          </a:p>
-        </p:txBody>
-      </p:sp>
-      <p:sp>
-        <p:nvSpPr>
-          <p:cNvPr id="19" name="TextBox 18"/>
-          <p:cNvSpPr txBox="1"/>
-          <p:nvPr/>
-        </p:nvSpPr>
-        <p:spPr>
-          <a:xfrm>
-            <a:off x="1334277" y="877235"/>
-            <a:ext cx="1390261" cy="369332"/>
-          </a:xfrm>
-          <a:prstGeom prst="rect">
-            <a:avLst/>
-          </a:prstGeom>
-          <a:noFill/>
-        </p:spPr>
-        <p:txBody>
-          <a:bodyPr wrap="square" rtlCol="0">
-            <a:spAutoFit/>
-          </a:bodyPr>
-          <a:lstStyle/>
-          <a:p>
-            <a:r>
-              <a:rPr lang="en-US" dirty="0" smtClean="0">
-                <a:solidFill>
-                  <a:srgbClr val="FF0000"/>
-                </a:solidFill>
-              </a:rPr>
-              <a:t>deepAK8</a:t>
-            </a:r>
-            <a:endParaRPr lang="en-GB" dirty="0">
-              <a:solidFill>
-                <a:srgbClr val="FF0000"/>
-              </a:solidFill>
-            </a:endParaRPr>
-          </a:p>
-        </p:txBody>
-      </p:sp>
-      <p:sp>
-        <p:nvSpPr>
-          <p:cNvPr id="20" name="TextBox 19"/>
-          <p:cNvSpPr txBox="1"/>
-          <p:nvPr/>
-        </p:nvSpPr>
-        <p:spPr>
-          <a:xfrm>
-            <a:off x="8369559" y="877235"/>
-            <a:ext cx="1390261" cy="369332"/>
-          </a:xfrm>
-          <a:prstGeom prst="rect">
-            <a:avLst/>
-          </a:prstGeom>
-          <a:noFill/>
-        </p:spPr>
-        <p:txBody>
-          <a:bodyPr wrap="square" rtlCol="0">
-            <a:spAutoFit/>
-          </a:bodyPr>
-          <a:lstStyle/>
-          <a:p>
-            <a:r>
-              <a:rPr lang="en-US" dirty="0" err="1" smtClean="0">
-                <a:solidFill>
-                  <a:srgbClr val="FF0000"/>
-                </a:solidFill>
-              </a:rPr>
-              <a:t>tTagger</a:t>
-            </a:r>
-            <a:endParaRPr lang="en-GB" dirty="0">
-              <a:solidFill>
-                <a:srgbClr val="FF0000"/>
-              </a:solidFill>
-            </a:endParaRPr>
-          </a:p>
-        </p:txBody>
-      </p:sp>
-      <p:pic>
-        <p:nvPicPr>
-          <p:cNvPr id="5" name="Picture 4"/>
-          <p:cNvPicPr>
-            <a:picLocks noChangeAspect="1"/>
-          </p:cNvPicPr>
-          <p:nvPr/>
-        </p:nvPicPr>
-        <p:blipFill>
-          <a:blip r:embed="rId2"/>
-          <a:stretch>
-            <a:fillRect/>
-          </a:stretch>
-        </p:blipFill>
-        <p:spPr>
-          <a:xfrm>
-            <a:off x="0" y="1399481"/>
-            <a:ext cx="5962169" cy="4040266"/>
-          </a:xfrm>
-          <a:prstGeom prst="rect">
-            <a:avLst/>
-          </a:prstGeom>
-        </p:spPr>
-      </p:pic>
-      <p:pic>
-        <p:nvPicPr>
-          <p:cNvPr id="6" name="Picture 5"/>
-          <p:cNvPicPr>
-            <a:picLocks noChangeAspect="1"/>
-          </p:cNvPicPr>
-          <p:nvPr/>
-        </p:nvPicPr>
-        <p:blipFill>
-          <a:blip r:embed="rId3"/>
-          <a:stretch>
-            <a:fillRect/>
-          </a:stretch>
-        </p:blipFill>
-        <p:spPr>
-          <a:xfrm>
-            <a:off x="6239097" y="1399481"/>
-            <a:ext cx="5962169" cy="4040266"/>
-          </a:xfrm>
-          <a:prstGeom prst="rect">
-            <a:avLst/>
-          </a:prstGeom>
-        </p:spPr>
-      </p:pic>
-    </p:spTree>
-    <p:extLst>
-      <p:ext uri="{BB962C8B-B14F-4D97-AF65-F5344CB8AC3E}">
-        <p14:creationId xmlns:p14="http://schemas.microsoft.com/office/powerpoint/2010/main" val="1948478741"/>
       </p:ext>
     </p:extLst>
   </p:cSld>
@@ -11034,7 +11189,7 @@
           <a:p>
             <a:fld id="{0352E882-488E-400B-936A-CB5B2D36F118}" type="datetime1">
               <a:rPr lang="en-US" smtClean="0"/>
-              <a:t>6/11/2019</a:t>
+              <a:t>6/12/2019</a:t>
             </a:fld>
             <a:endParaRPr lang="en-US" dirty="0"/>
           </a:p>
@@ -11161,11 +11316,326 @@
             </a:r>
             <a:r>
               <a:rPr lang="en-US" sz="1600" dirty="0" smtClean="0"/>
-              <a:t> affect the selection in </a:t>
+              <a:t> affect the selection in deepAK8 or the </a:t>
+            </a:r>
+            <a:r>
+              <a:rPr lang="en-US" sz="1600" dirty="0" err="1" smtClean="0"/>
+              <a:t>TopTagger</a:t>
             </a:r>
             <a:r>
               <a:rPr lang="en-US" sz="1600" dirty="0" smtClean="0"/>
-              <a:t>deepAK8 or the </a:t>
+              <a:t>? (Signal)</a:t>
+            </a:r>
+            <a:endParaRPr lang="en-GB" sz="1600" dirty="0"/>
+          </a:p>
+        </p:txBody>
+      </p:sp>
+      <p:sp>
+        <p:nvSpPr>
+          <p:cNvPr id="19" name="TextBox 18"/>
+          <p:cNvSpPr txBox="1"/>
+          <p:nvPr/>
+        </p:nvSpPr>
+        <p:spPr>
+          <a:xfrm>
+            <a:off x="1334277" y="877235"/>
+            <a:ext cx="1390261" cy="369332"/>
+          </a:xfrm>
+          <a:prstGeom prst="rect">
+            <a:avLst/>
+          </a:prstGeom>
+          <a:noFill/>
+        </p:spPr>
+        <p:txBody>
+          <a:bodyPr wrap="square" rtlCol="0">
+            <a:spAutoFit/>
+          </a:bodyPr>
+          <a:lstStyle/>
+          <a:p>
+            <a:r>
+              <a:rPr lang="en-US" dirty="0" smtClean="0">
+                <a:solidFill>
+                  <a:srgbClr val="FF0000"/>
+                </a:solidFill>
+              </a:rPr>
+              <a:t>deepAK8</a:t>
+            </a:r>
+            <a:endParaRPr lang="en-GB" dirty="0">
+              <a:solidFill>
+                <a:srgbClr val="FF0000"/>
+              </a:solidFill>
+            </a:endParaRPr>
+          </a:p>
+        </p:txBody>
+      </p:sp>
+      <p:sp>
+        <p:nvSpPr>
+          <p:cNvPr id="20" name="TextBox 19"/>
+          <p:cNvSpPr txBox="1"/>
+          <p:nvPr/>
+        </p:nvSpPr>
+        <p:spPr>
+          <a:xfrm>
+            <a:off x="8369559" y="877235"/>
+            <a:ext cx="1390261" cy="369332"/>
+          </a:xfrm>
+          <a:prstGeom prst="rect">
+            <a:avLst/>
+          </a:prstGeom>
+          <a:noFill/>
+        </p:spPr>
+        <p:txBody>
+          <a:bodyPr wrap="square" rtlCol="0">
+            <a:spAutoFit/>
+          </a:bodyPr>
+          <a:lstStyle/>
+          <a:p>
+            <a:r>
+              <a:rPr lang="en-US" dirty="0" err="1" smtClean="0">
+                <a:solidFill>
+                  <a:srgbClr val="FF0000"/>
+                </a:solidFill>
+              </a:rPr>
+              <a:t>tTagger</a:t>
+            </a:r>
+            <a:endParaRPr lang="en-GB" dirty="0">
+              <a:solidFill>
+                <a:srgbClr val="FF0000"/>
+              </a:solidFill>
+            </a:endParaRPr>
+          </a:p>
+        </p:txBody>
+      </p:sp>
+      <p:pic>
+        <p:nvPicPr>
+          <p:cNvPr id="5" name="Picture 4"/>
+          <p:cNvPicPr>
+            <a:picLocks noChangeAspect="1"/>
+          </p:cNvPicPr>
+          <p:nvPr/>
+        </p:nvPicPr>
+        <p:blipFill>
+          <a:blip r:embed="rId2"/>
+          <a:stretch>
+            <a:fillRect/>
+          </a:stretch>
+        </p:blipFill>
+        <p:spPr>
+          <a:xfrm>
+            <a:off x="0" y="1399481"/>
+            <a:ext cx="5962169" cy="4040266"/>
+          </a:xfrm>
+          <a:prstGeom prst="rect">
+            <a:avLst/>
+          </a:prstGeom>
+        </p:spPr>
+      </p:pic>
+      <p:pic>
+        <p:nvPicPr>
+          <p:cNvPr id="6" name="Picture 5"/>
+          <p:cNvPicPr>
+            <a:picLocks noChangeAspect="1"/>
+          </p:cNvPicPr>
+          <p:nvPr/>
+        </p:nvPicPr>
+        <p:blipFill>
+          <a:blip r:embed="rId3"/>
+          <a:stretch>
+            <a:fillRect/>
+          </a:stretch>
+        </p:blipFill>
+        <p:spPr>
+          <a:xfrm>
+            <a:off x="6239097" y="1399481"/>
+            <a:ext cx="5962169" cy="4040266"/>
+          </a:xfrm>
+          <a:prstGeom prst="rect">
+            <a:avLst/>
+          </a:prstGeom>
+        </p:spPr>
+      </p:pic>
+    </p:spTree>
+    <p:extLst>
+      <p:ext uri="{BB962C8B-B14F-4D97-AF65-F5344CB8AC3E}">
+        <p14:creationId xmlns:p14="http://schemas.microsoft.com/office/powerpoint/2010/main" val="1948478741"/>
+      </p:ext>
+    </p:extLst>
+  </p:cSld>
+  <p:clrMapOvr>
+    <a:masterClrMapping/>
+  </p:clrMapOvr>
+  <p:timing>
+    <p:tnLst>
+      <p:par>
+        <p:cTn id="1" dur="indefinite" restart="never" nodeType="tmRoot"/>
+      </p:par>
+    </p:tnLst>
+  </p:timing>
+</p:sld>
+</file>
+
+<file path=ppt/slides/slide17.xml><?xml version="1.0" encoding="utf-8"?>
+<p:sld xmlns:a="http://schemas.openxmlformats.org/drawingml/2006/main" xmlns:r="http://schemas.openxmlformats.org/officeDocument/2006/relationships" xmlns:p="http://schemas.openxmlformats.org/presentationml/2006/main">
+  <p:cSld>
+    <p:spTree>
+      <p:nvGrpSpPr>
+        <p:cNvPr id="1" name=""/>
+        <p:cNvGrpSpPr/>
+        <p:nvPr/>
+      </p:nvGrpSpPr>
+      <p:grpSpPr>
+        <a:xfrm>
+          <a:off x="0" y="0"/>
+          <a:ext cx="0" cy="0"/>
+          <a:chOff x="0" y="0"/>
+          <a:chExt cx="0" cy="0"/>
+        </a:xfrm>
+      </p:grpSpPr>
+      <p:sp>
+        <p:nvSpPr>
+          <p:cNvPr id="2" name="Date Placeholder 1"/>
+          <p:cNvSpPr>
+            <a:spLocks noGrp="1"/>
+          </p:cNvSpPr>
+          <p:nvPr>
+            <p:ph type="dt" sz="half" idx="10"/>
+          </p:nvPr>
+        </p:nvSpPr>
+        <p:spPr/>
+        <p:txBody>
+          <a:bodyPr/>
+          <a:lstStyle/>
+          <a:p>
+            <a:fld id="{0352E882-488E-400B-936A-CB5B2D36F118}" type="datetime1">
+              <a:rPr lang="en-US" smtClean="0"/>
+              <a:t>6/12/2019</a:t>
+            </a:fld>
+            <a:endParaRPr lang="en-US" dirty="0"/>
+          </a:p>
+        </p:txBody>
+      </p:sp>
+      <p:sp>
+        <p:nvSpPr>
+          <p:cNvPr id="3" name="Footer Placeholder 2"/>
+          <p:cNvSpPr>
+            <a:spLocks noGrp="1"/>
+          </p:cNvSpPr>
+          <p:nvPr>
+            <p:ph type="ftr" sz="quarter" idx="11"/>
+          </p:nvPr>
+        </p:nvSpPr>
+        <p:spPr/>
+        <p:txBody>
+          <a:bodyPr/>
+          <a:lstStyle/>
+          <a:p>
+            <a:r>
+              <a:rPr lang="fi-FI" smtClean="0"/>
+              <a:t>NTUA I. Papakrivopoulos, G. Bakas</a:t>
+            </a:r>
+            <a:endParaRPr lang="en-US" dirty="0"/>
+          </a:p>
+        </p:txBody>
+      </p:sp>
+      <p:sp>
+        <p:nvSpPr>
+          <p:cNvPr id="4" name="Slide Number Placeholder 3"/>
+          <p:cNvSpPr>
+            <a:spLocks noGrp="1"/>
+          </p:cNvSpPr>
+          <p:nvPr>
+            <p:ph type="sldNum" sz="quarter" idx="12"/>
+          </p:nvPr>
+        </p:nvSpPr>
+        <p:spPr/>
+        <p:txBody>
+          <a:bodyPr/>
+          <a:lstStyle/>
+          <a:p>
+            <a:fld id="{4FAB73BC-B049-4115-A692-8D63A059BFB8}" type="slidenum">
+              <a:rPr lang="en-US" smtClean="0"/>
+              <a:pPr/>
+              <a:t>17</a:t>
+            </a:fld>
+            <a:endParaRPr lang="en-US" dirty="0"/>
+          </a:p>
+        </p:txBody>
+      </p:sp>
+      <p:sp>
+        <p:nvSpPr>
+          <p:cNvPr id="24" name="TextBox 23"/>
+          <p:cNvSpPr txBox="1"/>
+          <p:nvPr/>
+        </p:nvSpPr>
+        <p:spPr>
+          <a:xfrm>
+            <a:off x="326571" y="158620"/>
+            <a:ext cx="7791062" cy="369332"/>
+          </a:xfrm>
+          <a:prstGeom prst="rect">
+            <a:avLst/>
+          </a:prstGeom>
+          <a:noFill/>
+        </p:spPr>
+        <p:txBody>
+          <a:bodyPr wrap="square" rtlCol="0">
+            <a:spAutoFit/>
+          </a:bodyPr>
+          <a:lstStyle/>
+          <a:p>
+            <a:r>
+              <a:rPr lang="en-US" u="sng" dirty="0" err="1" smtClean="0"/>
+              <a:t>Btagging</a:t>
+            </a:r>
+            <a:r>
+              <a:rPr lang="en-US" u="sng" dirty="0" smtClean="0"/>
+              <a:t> Correlation to DeepAK8 or </a:t>
+            </a:r>
+            <a:r>
+              <a:rPr lang="en-US" u="sng" dirty="0" err="1" smtClean="0"/>
+              <a:t>TopTagger</a:t>
+            </a:r>
+            <a:endParaRPr lang="en-GB" u="sng" dirty="0"/>
+          </a:p>
+        </p:txBody>
+      </p:sp>
+      <p:sp>
+        <p:nvSpPr>
+          <p:cNvPr id="25" name="TextBox 24"/>
+          <p:cNvSpPr txBox="1"/>
+          <p:nvPr/>
+        </p:nvSpPr>
+        <p:spPr>
+          <a:xfrm>
+            <a:off x="326571" y="548647"/>
+            <a:ext cx="9918440" cy="338554"/>
+          </a:xfrm>
+          <a:prstGeom prst="rect">
+            <a:avLst/>
+          </a:prstGeom>
+          <a:noFill/>
+        </p:spPr>
+        <p:txBody>
+          <a:bodyPr wrap="square" rtlCol="0">
+            <a:spAutoFit/>
+          </a:bodyPr>
+          <a:lstStyle/>
+          <a:p>
+            <a:pPr marL="285750" indent="-285750">
+              <a:buFont typeface="Arial" panose="020B0604020202020204" pitchFamily="34" charset="0"/>
+              <a:buChar char="•"/>
+            </a:pPr>
+            <a:r>
+              <a:rPr lang="en-US" sz="1600" dirty="0" smtClean="0"/>
+              <a:t>How much is </a:t>
+            </a:r>
+            <a:r>
+              <a:rPr lang="en-US" sz="1600" dirty="0" err="1" smtClean="0"/>
+              <a:t>btagging</a:t>
+            </a:r>
+            <a:r>
+              <a:rPr lang="en-US" sz="1600" dirty="0" smtClean="0"/>
+              <a:t> affect the selection in deepAK8 or the </a:t>
             </a:r>
             <a:r>
               <a:rPr lang="en-US" sz="1600" dirty="0" err="1" smtClean="0"/>
@@ -11361,7 +11831,7 @@
           <a:p>
             <a:fld id="{F7D08143-D8EF-4C1A-A7BC-0DD89FCC0194}" type="datetime1">
               <a:rPr lang="en-US" smtClean="0"/>
-              <a:t>6/11/2019</a:t>
+              <a:t>6/12/2019</a:t>
             </a:fld>
             <a:endParaRPr lang="en-US"/>
           </a:p>
@@ -12679,7 +13149,7 @@
           <a:p>
             <a:fld id="{F18C97DA-3015-4AEC-8D39-6326FA6794D2}" type="datetime1">
               <a:rPr lang="en-US" smtClean="0"/>
-              <a:t>6/11/2019</a:t>
+              <a:t>6/12/2019</a:t>
             </a:fld>
             <a:endParaRPr lang="en-US" dirty="0"/>
           </a:p>
@@ -12940,7 +13410,7 @@
           <a:p>
             <a:fld id="{1285AF8F-1CA5-4F19-8386-707CCF4DE86E}" type="datetime1">
               <a:rPr lang="en-US" smtClean="0"/>
-              <a:t>6/11/2019</a:t>
+              <a:t>6/12/2019</a:t>
             </a:fld>
             <a:endParaRPr lang="en-US" dirty="0"/>
           </a:p>
@@ -13171,7 +13641,7 @@
           <a:p>
             <a:fld id="{1D514A23-516D-43F1-986D-597660D396FC}" type="datetime1">
               <a:rPr lang="en-US" smtClean="0"/>
-              <a:t>6/11/2019</a:t>
+              <a:t>6/12/2019</a:t>
             </a:fld>
             <a:endParaRPr lang="en-US" dirty="0"/>
           </a:p>
@@ -13402,7 +13872,7 @@
           <a:p>
             <a:fld id="{656A6870-60C0-4EAA-8F9A-9B155254C096}" type="datetime1">
               <a:rPr lang="en-US" smtClean="0"/>
-              <a:t>6/11/2019</a:t>
+              <a:t>6/12/2019</a:t>
             </a:fld>
             <a:endParaRPr lang="en-US" dirty="0"/>
           </a:p>
@@ -13633,7 +14103,7 @@
           <a:p>
             <a:fld id="{3FD2968F-0741-428B-8AEA-AB37EA876EDD}" type="datetime1">
               <a:rPr lang="en-US" smtClean="0"/>
-              <a:t>6/11/2019</a:t>
+              <a:t>6/12/2019</a:t>
             </a:fld>
             <a:endParaRPr lang="en-US" dirty="0"/>
           </a:p>
@@ -13916,7 +14386,7 @@
           <a:p>
             <a:fld id="{BD45B9A2-A59C-42C2-B82A-45613660DD90}" type="datetime1">
               <a:rPr lang="en-US" smtClean="0"/>
-              <a:t>6/11/2019</a:t>
+              <a:t>6/12/2019</a:t>
             </a:fld>
             <a:endParaRPr lang="en-US" dirty="0"/>
           </a:p>
@@ -14199,7 +14669,7 @@
           <a:p>
             <a:fld id="{0352E882-488E-400B-936A-CB5B2D36F118}" type="datetime1">
               <a:rPr lang="en-US" smtClean="0"/>
-              <a:t>6/11/2019</a:t>
+              <a:t>6/12/2019</a:t>
             </a:fld>
             <a:endParaRPr lang="en-US" dirty="0"/>
           </a:p>
